--- a/MovingApplicationsToTheCloudWithVMRole/MovingApplicationsToTheCloudWithVMRole.pptx
+++ b/MovingApplicationsToTheCloudWithVMRole/MovingApplicationsToTheCloudWithVMRole.pptx
@@ -35,38 +35,39 @@
   <p:notesSz cx="6858000" cy="9144000"/>
   <p:embeddedFontLst>
     <p:embeddedFont>
-      <p:font typeface="Segoe UI Light" pitchFamily="34" charset="0"/>
+      <p:font typeface="Segoe Light" charset="0"/>
       <p:regular r:id="rId23"/>
-    </p:embeddedFont>
-    <p:embeddedFont>
-      <p:font typeface="Segoe Light" pitchFamily="34" charset="0"/>
-      <p:regular r:id="rId24"/>
-      <p:italic r:id="rId25"/>
+      <p:italic r:id="rId24"/>
     </p:embeddedFont>
     <p:embeddedFont>
       <p:font typeface="Segoe UI" pitchFamily="34" charset="0"/>
-      <p:regular r:id="rId26"/>
-      <p:bold r:id="rId27"/>
-      <p:italic r:id="rId28"/>
-      <p:boldItalic r:id="rId29"/>
+      <p:regular r:id="rId25"/>
+      <p:bold r:id="rId26"/>
+      <p:italic r:id="rId27"/>
+      <p:boldItalic r:id="rId28"/>
+    </p:embeddedFont>
+    <p:embeddedFont>
+      <p:font typeface="Calibri" pitchFamily="34" charset="0"/>
+      <p:regular r:id="rId29"/>
+      <p:bold r:id="rId30"/>
+      <p:italic r:id="rId31"/>
+      <p:boldItalic r:id="rId32"/>
     </p:embeddedFont>
     <p:embeddedFont>
       <p:font typeface="Consolas" pitchFamily="49" charset="0"/>
-      <p:regular r:id="rId30"/>
-      <p:bold r:id="rId31"/>
-      <p:italic r:id="rId32"/>
-      <p:boldItalic r:id="rId33"/>
+      <p:regular r:id="rId33"/>
+      <p:bold r:id="rId34"/>
+      <p:italic r:id="rId35"/>
+      <p:boldItalic r:id="rId36"/>
     </p:embeddedFont>
     <p:embeddedFont>
-      <p:font typeface="Calibri" pitchFamily="34" charset="0"/>
-      <p:regular r:id="rId34"/>
-      <p:bold r:id="rId35"/>
-      <p:italic r:id="rId36"/>
-      <p:boldItalic r:id="rId37"/>
+      <p:font typeface="Segoe UI Light" pitchFamily="34" charset="0"/>
+      <p:regular r:id="rId37"/>
+      <p:italic r:id="rId38"/>
     </p:embeddedFont>
   </p:embeddedFontLst>
   <p:custDataLst>
-    <p:tags r:id="rId38"/>
+    <p:tags r:id="rId39"/>
   </p:custDataLst>
   <p:defaultTextStyle>
     <a:defPPr>
@@ -254,7 +255,7 @@
                 <a:latin typeface="Segoe UI" pitchFamily="34" charset="0"/>
               </a:rPr>
               <a:pPr/>
-              <a:t>12/9/2011</a:t>
+              <a:t>6/16/2012</a:t>
             </a:fld>
             <a:endParaRPr lang="en-US" dirty="0">
               <a:latin typeface="Segoe UI" pitchFamily="34" charset="0"/>
@@ -467,7 +468,7 @@
             <a:fld id="{7C3FBCD4-166E-446F-AF18-7D4A0CF9AEF6}" type="datetimeFigureOut">
               <a:rPr lang="en-US" smtClean="0"/>
               <a:pPr/>
-              <a:t>12/9/2011</a:t>
+              <a:t>6/16/2012</a:t>
             </a:fld>
             <a:endParaRPr lang="en-US" dirty="0"/>
           </a:p>
@@ -892,6 +893,1451 @@
     <p:extLst>
       <p:ext uri="{BB962C8B-B14F-4D97-AF65-F5344CB8AC3E}">
         <p14:creationId xmlns:p14="http://schemas.microsoft.com/office/powerpoint/2010/main" val="2270114384"/>
+      </p:ext>
+    </p:extLst>
+  </p:cSld>
+  <p:clrMapOvr>
+    <a:masterClrMapping/>
+  </p:clrMapOvr>
+</p:notes>
+</file>
+
+<file path=ppt/notesSlides/notesSlide10.xml><?xml version="1.0" encoding="utf-8"?>
+<p:notes xmlns:a="http://schemas.openxmlformats.org/drawingml/2006/main" xmlns:r="http://schemas.openxmlformats.org/officeDocument/2006/relationships" xmlns:p="http://schemas.openxmlformats.org/presentationml/2006/main">
+  <p:cSld>
+    <p:spTree>
+      <p:nvGrpSpPr>
+        <p:cNvPr id="1" name=""/>
+        <p:cNvGrpSpPr/>
+        <p:nvPr/>
+      </p:nvGrpSpPr>
+      <p:grpSpPr>
+        <a:xfrm>
+          <a:off x="0" y="0"/>
+          <a:ext cx="0" cy="0"/>
+          <a:chOff x="0" y="0"/>
+          <a:chExt cx="0" cy="0"/>
+        </a:xfrm>
+      </p:grpSpPr>
+      <p:sp>
+        <p:nvSpPr>
+          <p:cNvPr id="2" name="Slide Image Placeholder 1"/>
+          <p:cNvSpPr>
+            <a:spLocks noGrp="1" noRot="1" noChangeAspect="1"/>
+          </p:cNvSpPr>
+          <p:nvPr>
+            <p:ph type="sldImg"/>
+          </p:nvPr>
+        </p:nvSpPr>
+        <p:spPr/>
+      </p:sp>
+      <p:sp>
+        <p:nvSpPr>
+          <p:cNvPr id="3" name="Notes Placeholder 2"/>
+          <p:cNvSpPr>
+            <a:spLocks noGrp="1"/>
+          </p:cNvSpPr>
+          <p:nvPr>
+            <p:ph type="body" idx="1"/>
+          </p:nvPr>
+        </p:nvSpPr>
+        <p:spPr/>
+        <p:txBody>
+          <a:bodyPr/>
+          <a:lstStyle/>
+          <a:p>
+            <a:endParaRPr lang="en-US"/>
+          </a:p>
+        </p:txBody>
+      </p:sp>
+      <p:sp>
+        <p:nvSpPr>
+          <p:cNvPr id="4" name="Slide Number Placeholder 3"/>
+          <p:cNvSpPr>
+            <a:spLocks noGrp="1"/>
+          </p:cNvSpPr>
+          <p:nvPr>
+            <p:ph type="sldNum" sz="quarter" idx="10"/>
+          </p:nvPr>
+        </p:nvSpPr>
+        <p:spPr/>
+        <p:txBody>
+          <a:bodyPr/>
+          <a:lstStyle/>
+          <a:p>
+            <a:fld id="{8B263312-38AA-4E1E-B2B5-0F8F122B24FE}" type="slidenum">
+              <a:rPr lang="en-US" smtClean="0"/>
+              <a:pPr/>
+              <a:t>10</a:t>
+            </a:fld>
+            <a:endParaRPr lang="en-US" dirty="0"/>
+          </a:p>
+        </p:txBody>
+      </p:sp>
+    </p:spTree>
+    <p:extLst>
+      <p:ext uri="{BB962C8B-B14F-4D97-AF65-F5344CB8AC3E}">
+        <p14:creationId xmlns:p14="http://schemas.microsoft.com/office/powerpoint/2010/main" val="90544417"/>
+      </p:ext>
+    </p:extLst>
+  </p:cSld>
+  <p:clrMapOvr>
+    <a:masterClrMapping/>
+  </p:clrMapOvr>
+</p:notes>
+</file>
+
+<file path=ppt/notesSlides/notesSlide11.xml><?xml version="1.0" encoding="utf-8"?>
+<p:notes xmlns:a="http://schemas.openxmlformats.org/drawingml/2006/main" xmlns:r="http://schemas.openxmlformats.org/officeDocument/2006/relationships" xmlns:p="http://schemas.openxmlformats.org/presentationml/2006/main">
+  <p:cSld>
+    <p:spTree>
+      <p:nvGrpSpPr>
+        <p:cNvPr id="1" name=""/>
+        <p:cNvGrpSpPr/>
+        <p:nvPr/>
+      </p:nvGrpSpPr>
+      <p:grpSpPr>
+        <a:xfrm>
+          <a:off x="0" y="0"/>
+          <a:ext cx="0" cy="0"/>
+          <a:chOff x="0" y="0"/>
+          <a:chExt cx="0" cy="0"/>
+        </a:xfrm>
+      </p:grpSpPr>
+      <p:sp>
+        <p:nvSpPr>
+          <p:cNvPr id="2" name="Slide Image Placeholder 1"/>
+          <p:cNvSpPr>
+            <a:spLocks noGrp="1" noRot="1" noChangeAspect="1"/>
+          </p:cNvSpPr>
+          <p:nvPr>
+            <p:ph type="sldImg"/>
+          </p:nvPr>
+        </p:nvSpPr>
+        <p:spPr/>
+      </p:sp>
+      <p:sp>
+        <p:nvSpPr>
+          <p:cNvPr id="3" name="Notes Placeholder 2"/>
+          <p:cNvSpPr>
+            <a:spLocks noGrp="1"/>
+          </p:cNvSpPr>
+          <p:nvPr>
+            <p:ph type="body" idx="1"/>
+          </p:nvPr>
+        </p:nvSpPr>
+        <p:spPr/>
+        <p:txBody>
+          <a:bodyPr/>
+          <a:lstStyle/>
+          <a:p>
+            <a:endParaRPr lang="en-US"/>
+          </a:p>
+        </p:txBody>
+      </p:sp>
+      <p:sp>
+        <p:nvSpPr>
+          <p:cNvPr id="4" name="Slide Number Placeholder 3"/>
+          <p:cNvSpPr>
+            <a:spLocks noGrp="1"/>
+          </p:cNvSpPr>
+          <p:nvPr>
+            <p:ph type="sldNum" sz="quarter" idx="10"/>
+          </p:nvPr>
+        </p:nvSpPr>
+        <p:spPr/>
+        <p:txBody>
+          <a:bodyPr/>
+          <a:lstStyle/>
+          <a:p>
+            <a:fld id="{8B263312-38AA-4E1E-B2B5-0F8F122B24FE}" type="slidenum">
+              <a:rPr lang="en-US" smtClean="0"/>
+              <a:pPr/>
+              <a:t>11</a:t>
+            </a:fld>
+            <a:endParaRPr lang="en-US" dirty="0"/>
+          </a:p>
+        </p:txBody>
+      </p:sp>
+    </p:spTree>
+    <p:extLst>
+      <p:ext uri="{BB962C8B-B14F-4D97-AF65-F5344CB8AC3E}">
+        <p14:creationId xmlns:p14="http://schemas.microsoft.com/office/powerpoint/2010/main" val="2602735012"/>
+      </p:ext>
+    </p:extLst>
+  </p:cSld>
+  <p:clrMapOvr>
+    <a:masterClrMapping/>
+  </p:clrMapOvr>
+</p:notes>
+</file>
+
+<file path=ppt/notesSlides/notesSlide12.xml><?xml version="1.0" encoding="utf-8"?>
+<p:notes xmlns:a="http://schemas.openxmlformats.org/drawingml/2006/main" xmlns:r="http://schemas.openxmlformats.org/officeDocument/2006/relationships" xmlns:p="http://schemas.openxmlformats.org/presentationml/2006/main">
+  <p:cSld>
+    <p:spTree>
+      <p:nvGrpSpPr>
+        <p:cNvPr id="1" name=""/>
+        <p:cNvGrpSpPr/>
+        <p:nvPr/>
+      </p:nvGrpSpPr>
+      <p:grpSpPr>
+        <a:xfrm>
+          <a:off x="0" y="0"/>
+          <a:ext cx="0" cy="0"/>
+          <a:chOff x="0" y="0"/>
+          <a:chExt cx="0" cy="0"/>
+        </a:xfrm>
+      </p:grpSpPr>
+      <p:sp>
+        <p:nvSpPr>
+          <p:cNvPr id="2" name="Slide Image Placeholder 1"/>
+          <p:cNvSpPr>
+            <a:spLocks noGrp="1" noRot="1" noChangeAspect="1"/>
+          </p:cNvSpPr>
+          <p:nvPr>
+            <p:ph type="sldImg"/>
+          </p:nvPr>
+        </p:nvSpPr>
+        <p:spPr/>
+      </p:sp>
+      <p:sp>
+        <p:nvSpPr>
+          <p:cNvPr id="3" name="Notes Placeholder 2"/>
+          <p:cNvSpPr>
+            <a:spLocks noGrp="1"/>
+          </p:cNvSpPr>
+          <p:nvPr>
+            <p:ph type="body" idx="1"/>
+          </p:nvPr>
+        </p:nvSpPr>
+        <p:spPr/>
+        <p:txBody>
+          <a:bodyPr/>
+          <a:lstStyle/>
+          <a:p>
+            <a:endParaRPr lang="en-US"/>
+          </a:p>
+        </p:txBody>
+      </p:sp>
+      <p:sp>
+        <p:nvSpPr>
+          <p:cNvPr id="4" name="Slide Number Placeholder 3"/>
+          <p:cNvSpPr>
+            <a:spLocks noGrp="1"/>
+          </p:cNvSpPr>
+          <p:nvPr>
+            <p:ph type="sldNum" sz="quarter" idx="10"/>
+          </p:nvPr>
+        </p:nvSpPr>
+        <p:spPr/>
+        <p:txBody>
+          <a:bodyPr/>
+          <a:lstStyle/>
+          <a:p>
+            <a:fld id="{8B263312-38AA-4E1E-B2B5-0F8F122B24FE}" type="slidenum">
+              <a:rPr lang="en-US" smtClean="0"/>
+              <a:pPr/>
+              <a:t>12</a:t>
+            </a:fld>
+            <a:endParaRPr lang="en-US" dirty="0"/>
+          </a:p>
+        </p:txBody>
+      </p:sp>
+    </p:spTree>
+    <p:extLst>
+      <p:ext uri="{BB962C8B-B14F-4D97-AF65-F5344CB8AC3E}">
+        <p14:creationId xmlns:p14="http://schemas.microsoft.com/office/powerpoint/2010/main" val="3944159309"/>
+      </p:ext>
+    </p:extLst>
+  </p:cSld>
+  <p:clrMapOvr>
+    <a:masterClrMapping/>
+  </p:clrMapOvr>
+</p:notes>
+</file>
+
+<file path=ppt/notesSlides/notesSlide13.xml><?xml version="1.0" encoding="utf-8"?>
+<p:notes xmlns:a="http://schemas.openxmlformats.org/drawingml/2006/main" xmlns:r="http://schemas.openxmlformats.org/officeDocument/2006/relationships" xmlns:p="http://schemas.openxmlformats.org/presentationml/2006/main">
+  <p:cSld>
+    <p:spTree>
+      <p:nvGrpSpPr>
+        <p:cNvPr id="1" name=""/>
+        <p:cNvGrpSpPr/>
+        <p:nvPr/>
+      </p:nvGrpSpPr>
+      <p:grpSpPr>
+        <a:xfrm>
+          <a:off x="0" y="0"/>
+          <a:ext cx="0" cy="0"/>
+          <a:chOff x="0" y="0"/>
+          <a:chExt cx="0" cy="0"/>
+        </a:xfrm>
+      </p:grpSpPr>
+      <p:sp>
+        <p:nvSpPr>
+          <p:cNvPr id="2" name="Slide Image Placeholder 1"/>
+          <p:cNvSpPr>
+            <a:spLocks noGrp="1" noRot="1" noChangeAspect="1"/>
+          </p:cNvSpPr>
+          <p:nvPr>
+            <p:ph type="sldImg"/>
+          </p:nvPr>
+        </p:nvSpPr>
+        <p:spPr/>
+      </p:sp>
+      <p:sp>
+        <p:nvSpPr>
+          <p:cNvPr id="3" name="Notes Placeholder 2"/>
+          <p:cNvSpPr>
+            <a:spLocks noGrp="1"/>
+          </p:cNvSpPr>
+          <p:nvPr>
+            <p:ph type="body" idx="1"/>
+          </p:nvPr>
+        </p:nvSpPr>
+        <p:spPr/>
+        <p:txBody>
+          <a:bodyPr/>
+          <a:lstStyle/>
+          <a:p>
+            <a:endParaRPr lang="en-US"/>
+          </a:p>
+        </p:txBody>
+      </p:sp>
+      <p:sp>
+        <p:nvSpPr>
+          <p:cNvPr id="4" name="Slide Number Placeholder 3"/>
+          <p:cNvSpPr>
+            <a:spLocks noGrp="1"/>
+          </p:cNvSpPr>
+          <p:nvPr>
+            <p:ph type="sldNum" sz="quarter" idx="10"/>
+          </p:nvPr>
+        </p:nvSpPr>
+        <p:spPr/>
+        <p:txBody>
+          <a:bodyPr/>
+          <a:lstStyle/>
+          <a:p>
+            <a:fld id="{8B263312-38AA-4E1E-B2B5-0F8F122B24FE}" type="slidenum">
+              <a:rPr lang="en-US" smtClean="0"/>
+              <a:pPr/>
+              <a:t>13</a:t>
+            </a:fld>
+            <a:endParaRPr lang="en-US" dirty="0"/>
+          </a:p>
+        </p:txBody>
+      </p:sp>
+    </p:spTree>
+    <p:extLst>
+      <p:ext uri="{BB962C8B-B14F-4D97-AF65-F5344CB8AC3E}">
+        <p14:creationId xmlns:p14="http://schemas.microsoft.com/office/powerpoint/2010/main" val="1812515372"/>
+      </p:ext>
+    </p:extLst>
+  </p:cSld>
+  <p:clrMapOvr>
+    <a:masterClrMapping/>
+  </p:clrMapOvr>
+</p:notes>
+</file>
+
+<file path=ppt/notesSlides/notesSlide14.xml><?xml version="1.0" encoding="utf-8"?>
+<p:notes xmlns:a="http://schemas.openxmlformats.org/drawingml/2006/main" xmlns:r="http://schemas.openxmlformats.org/officeDocument/2006/relationships" xmlns:p="http://schemas.openxmlformats.org/presentationml/2006/main">
+  <p:cSld>
+    <p:spTree>
+      <p:nvGrpSpPr>
+        <p:cNvPr id="1" name=""/>
+        <p:cNvGrpSpPr/>
+        <p:nvPr/>
+      </p:nvGrpSpPr>
+      <p:grpSpPr>
+        <a:xfrm>
+          <a:off x="0" y="0"/>
+          <a:ext cx="0" cy="0"/>
+          <a:chOff x="0" y="0"/>
+          <a:chExt cx="0" cy="0"/>
+        </a:xfrm>
+      </p:grpSpPr>
+      <p:sp>
+        <p:nvSpPr>
+          <p:cNvPr id="2" name="Slide Image Placeholder 1"/>
+          <p:cNvSpPr>
+            <a:spLocks noGrp="1" noRot="1" noChangeAspect="1"/>
+          </p:cNvSpPr>
+          <p:nvPr>
+            <p:ph type="sldImg"/>
+          </p:nvPr>
+        </p:nvSpPr>
+        <p:spPr/>
+      </p:sp>
+      <p:sp>
+        <p:nvSpPr>
+          <p:cNvPr id="3" name="Notes Placeholder 2"/>
+          <p:cNvSpPr>
+            <a:spLocks noGrp="1"/>
+          </p:cNvSpPr>
+          <p:nvPr>
+            <p:ph type="body" idx="1"/>
+          </p:nvPr>
+        </p:nvSpPr>
+        <p:spPr/>
+        <p:txBody>
+          <a:bodyPr/>
+          <a:lstStyle/>
+          <a:p>
+            <a:endParaRPr lang="en-US"/>
+          </a:p>
+        </p:txBody>
+      </p:sp>
+      <p:sp>
+        <p:nvSpPr>
+          <p:cNvPr id="4" name="Slide Number Placeholder 3"/>
+          <p:cNvSpPr>
+            <a:spLocks noGrp="1"/>
+          </p:cNvSpPr>
+          <p:nvPr>
+            <p:ph type="sldNum" sz="quarter" idx="10"/>
+          </p:nvPr>
+        </p:nvSpPr>
+        <p:spPr/>
+        <p:txBody>
+          <a:bodyPr/>
+          <a:lstStyle/>
+          <a:p>
+            <a:fld id="{8B263312-38AA-4E1E-B2B5-0F8F122B24FE}" type="slidenum">
+              <a:rPr lang="en-US" smtClean="0"/>
+              <a:pPr/>
+              <a:t>14</a:t>
+            </a:fld>
+            <a:endParaRPr lang="en-US" dirty="0"/>
+          </a:p>
+        </p:txBody>
+      </p:sp>
+    </p:spTree>
+    <p:extLst>
+      <p:ext uri="{BB962C8B-B14F-4D97-AF65-F5344CB8AC3E}">
+        <p14:creationId xmlns:p14="http://schemas.microsoft.com/office/powerpoint/2010/main" val="2337236443"/>
+      </p:ext>
+    </p:extLst>
+  </p:cSld>
+  <p:clrMapOvr>
+    <a:masterClrMapping/>
+  </p:clrMapOvr>
+</p:notes>
+</file>
+
+<file path=ppt/notesSlides/notesSlide15.xml><?xml version="1.0" encoding="utf-8"?>
+<p:notes xmlns:a="http://schemas.openxmlformats.org/drawingml/2006/main" xmlns:r="http://schemas.openxmlformats.org/officeDocument/2006/relationships" xmlns:p="http://schemas.openxmlformats.org/presentationml/2006/main">
+  <p:cSld>
+    <p:spTree>
+      <p:nvGrpSpPr>
+        <p:cNvPr id="1" name=""/>
+        <p:cNvGrpSpPr/>
+        <p:nvPr/>
+      </p:nvGrpSpPr>
+      <p:grpSpPr>
+        <a:xfrm>
+          <a:off x="0" y="0"/>
+          <a:ext cx="0" cy="0"/>
+          <a:chOff x="0" y="0"/>
+          <a:chExt cx="0" cy="0"/>
+        </a:xfrm>
+      </p:grpSpPr>
+      <p:sp>
+        <p:nvSpPr>
+          <p:cNvPr id="2" name="Slide Image Placeholder 1"/>
+          <p:cNvSpPr>
+            <a:spLocks noGrp="1" noRot="1" noChangeAspect="1"/>
+          </p:cNvSpPr>
+          <p:nvPr>
+            <p:ph type="sldImg"/>
+          </p:nvPr>
+        </p:nvSpPr>
+        <p:spPr/>
+      </p:sp>
+      <p:sp>
+        <p:nvSpPr>
+          <p:cNvPr id="3" name="Notes Placeholder 2"/>
+          <p:cNvSpPr>
+            <a:spLocks noGrp="1"/>
+          </p:cNvSpPr>
+          <p:nvPr>
+            <p:ph type="body" idx="1"/>
+          </p:nvPr>
+        </p:nvSpPr>
+        <p:spPr/>
+        <p:txBody>
+          <a:bodyPr/>
+          <a:lstStyle/>
+          <a:p>
+            <a:endParaRPr lang="en-US"/>
+          </a:p>
+        </p:txBody>
+      </p:sp>
+      <p:sp>
+        <p:nvSpPr>
+          <p:cNvPr id="4" name="Slide Number Placeholder 3"/>
+          <p:cNvSpPr>
+            <a:spLocks noGrp="1"/>
+          </p:cNvSpPr>
+          <p:nvPr>
+            <p:ph type="sldNum" sz="quarter" idx="10"/>
+          </p:nvPr>
+        </p:nvSpPr>
+        <p:spPr/>
+        <p:txBody>
+          <a:bodyPr/>
+          <a:lstStyle/>
+          <a:p>
+            <a:fld id="{8B263312-38AA-4E1E-B2B5-0F8F122B24FE}" type="slidenum">
+              <a:rPr lang="en-US" smtClean="0"/>
+              <a:pPr/>
+              <a:t>15</a:t>
+            </a:fld>
+            <a:endParaRPr lang="en-US" dirty="0"/>
+          </a:p>
+        </p:txBody>
+      </p:sp>
+    </p:spTree>
+    <p:extLst>
+      <p:ext uri="{BB962C8B-B14F-4D97-AF65-F5344CB8AC3E}">
+        <p14:creationId xmlns:p14="http://schemas.microsoft.com/office/powerpoint/2010/main" val="478599508"/>
+      </p:ext>
+    </p:extLst>
+  </p:cSld>
+  <p:clrMapOvr>
+    <a:masterClrMapping/>
+  </p:clrMapOvr>
+</p:notes>
+</file>
+
+<file path=ppt/notesSlides/notesSlide16.xml><?xml version="1.0" encoding="utf-8"?>
+<p:notes xmlns:a="http://schemas.openxmlformats.org/drawingml/2006/main" xmlns:r="http://schemas.openxmlformats.org/officeDocument/2006/relationships" xmlns:p="http://schemas.openxmlformats.org/presentationml/2006/main">
+  <p:cSld>
+    <p:spTree>
+      <p:nvGrpSpPr>
+        <p:cNvPr id="1" name=""/>
+        <p:cNvGrpSpPr/>
+        <p:nvPr/>
+      </p:nvGrpSpPr>
+      <p:grpSpPr>
+        <a:xfrm>
+          <a:off x="0" y="0"/>
+          <a:ext cx="0" cy="0"/>
+          <a:chOff x="0" y="0"/>
+          <a:chExt cx="0" cy="0"/>
+        </a:xfrm>
+      </p:grpSpPr>
+      <p:sp>
+        <p:nvSpPr>
+          <p:cNvPr id="2" name="Slide Image Placeholder 1"/>
+          <p:cNvSpPr>
+            <a:spLocks noGrp="1" noRot="1" noChangeAspect="1"/>
+          </p:cNvSpPr>
+          <p:nvPr>
+            <p:ph type="sldImg"/>
+          </p:nvPr>
+        </p:nvSpPr>
+        <p:spPr/>
+      </p:sp>
+      <p:sp>
+        <p:nvSpPr>
+          <p:cNvPr id="3" name="Notes Placeholder 2"/>
+          <p:cNvSpPr>
+            <a:spLocks noGrp="1"/>
+          </p:cNvSpPr>
+          <p:nvPr>
+            <p:ph type="body" idx="1"/>
+          </p:nvPr>
+        </p:nvSpPr>
+        <p:spPr/>
+        <p:txBody>
+          <a:bodyPr/>
+          <a:lstStyle/>
+          <a:p>
+            <a:endParaRPr lang="en-US"/>
+          </a:p>
+        </p:txBody>
+      </p:sp>
+      <p:sp>
+        <p:nvSpPr>
+          <p:cNvPr id="4" name="Slide Number Placeholder 3"/>
+          <p:cNvSpPr>
+            <a:spLocks noGrp="1"/>
+          </p:cNvSpPr>
+          <p:nvPr>
+            <p:ph type="sldNum" sz="quarter" idx="10"/>
+          </p:nvPr>
+        </p:nvSpPr>
+        <p:spPr/>
+        <p:txBody>
+          <a:bodyPr/>
+          <a:lstStyle/>
+          <a:p>
+            <a:fld id="{8B263312-38AA-4E1E-B2B5-0F8F122B24FE}" type="slidenum">
+              <a:rPr lang="en-US" smtClean="0"/>
+              <a:pPr/>
+              <a:t>16</a:t>
+            </a:fld>
+            <a:endParaRPr lang="en-US" dirty="0"/>
+          </a:p>
+        </p:txBody>
+      </p:sp>
+    </p:spTree>
+    <p:extLst>
+      <p:ext uri="{BB962C8B-B14F-4D97-AF65-F5344CB8AC3E}">
+        <p14:creationId xmlns:p14="http://schemas.microsoft.com/office/powerpoint/2010/main" val="2781833344"/>
+      </p:ext>
+    </p:extLst>
+  </p:cSld>
+  <p:clrMapOvr>
+    <a:masterClrMapping/>
+  </p:clrMapOvr>
+</p:notes>
+</file>
+
+<file path=ppt/notesSlides/notesSlide17.xml><?xml version="1.0" encoding="utf-8"?>
+<p:notes xmlns:a="http://schemas.openxmlformats.org/drawingml/2006/main" xmlns:r="http://schemas.openxmlformats.org/officeDocument/2006/relationships" xmlns:p="http://schemas.openxmlformats.org/presentationml/2006/main">
+  <p:cSld>
+    <p:spTree>
+      <p:nvGrpSpPr>
+        <p:cNvPr id="1" name=""/>
+        <p:cNvGrpSpPr/>
+        <p:nvPr/>
+      </p:nvGrpSpPr>
+      <p:grpSpPr>
+        <a:xfrm>
+          <a:off x="0" y="0"/>
+          <a:ext cx="0" cy="0"/>
+          <a:chOff x="0" y="0"/>
+          <a:chExt cx="0" cy="0"/>
+        </a:xfrm>
+      </p:grpSpPr>
+      <p:sp>
+        <p:nvSpPr>
+          <p:cNvPr id="2" name="Slide Image Placeholder 1"/>
+          <p:cNvSpPr>
+            <a:spLocks noGrp="1" noRot="1" noChangeAspect="1"/>
+          </p:cNvSpPr>
+          <p:nvPr>
+            <p:ph type="sldImg"/>
+          </p:nvPr>
+        </p:nvSpPr>
+        <p:spPr/>
+      </p:sp>
+      <p:sp>
+        <p:nvSpPr>
+          <p:cNvPr id="3" name="Notes Placeholder 2"/>
+          <p:cNvSpPr>
+            <a:spLocks noGrp="1"/>
+          </p:cNvSpPr>
+          <p:nvPr>
+            <p:ph type="body" idx="1"/>
+          </p:nvPr>
+        </p:nvSpPr>
+        <p:spPr/>
+        <p:txBody>
+          <a:bodyPr/>
+          <a:lstStyle/>
+          <a:p>
+            <a:endParaRPr lang="en-US"/>
+          </a:p>
+        </p:txBody>
+      </p:sp>
+      <p:sp>
+        <p:nvSpPr>
+          <p:cNvPr id="4" name="Slide Number Placeholder 3"/>
+          <p:cNvSpPr>
+            <a:spLocks noGrp="1"/>
+          </p:cNvSpPr>
+          <p:nvPr>
+            <p:ph type="sldNum" sz="quarter" idx="10"/>
+          </p:nvPr>
+        </p:nvSpPr>
+        <p:spPr/>
+        <p:txBody>
+          <a:bodyPr/>
+          <a:lstStyle/>
+          <a:p>
+            <a:fld id="{8B263312-38AA-4E1E-B2B5-0F8F122B24FE}" type="slidenum">
+              <a:rPr lang="en-US" smtClean="0"/>
+              <a:pPr/>
+              <a:t>17</a:t>
+            </a:fld>
+            <a:endParaRPr lang="en-US" dirty="0"/>
+          </a:p>
+        </p:txBody>
+      </p:sp>
+    </p:spTree>
+    <p:extLst>
+      <p:ext uri="{BB962C8B-B14F-4D97-AF65-F5344CB8AC3E}">
+        <p14:creationId xmlns:p14="http://schemas.microsoft.com/office/powerpoint/2010/main" val="3652994551"/>
+      </p:ext>
+    </p:extLst>
+  </p:cSld>
+  <p:clrMapOvr>
+    <a:masterClrMapping/>
+  </p:clrMapOvr>
+</p:notes>
+</file>
+
+<file path=ppt/notesSlides/notesSlide18.xml><?xml version="1.0" encoding="utf-8"?>
+<p:notes xmlns:a="http://schemas.openxmlformats.org/drawingml/2006/main" xmlns:r="http://schemas.openxmlformats.org/officeDocument/2006/relationships" xmlns:p="http://schemas.openxmlformats.org/presentationml/2006/main">
+  <p:cSld>
+    <p:spTree>
+      <p:nvGrpSpPr>
+        <p:cNvPr id="1" name=""/>
+        <p:cNvGrpSpPr/>
+        <p:nvPr/>
+      </p:nvGrpSpPr>
+      <p:grpSpPr>
+        <a:xfrm>
+          <a:off x="0" y="0"/>
+          <a:ext cx="0" cy="0"/>
+          <a:chOff x="0" y="0"/>
+          <a:chExt cx="0" cy="0"/>
+        </a:xfrm>
+      </p:grpSpPr>
+      <p:sp>
+        <p:nvSpPr>
+          <p:cNvPr id="2" name="Slide Image Placeholder 1"/>
+          <p:cNvSpPr>
+            <a:spLocks noGrp="1" noRot="1" noChangeAspect="1"/>
+          </p:cNvSpPr>
+          <p:nvPr>
+            <p:ph type="sldImg"/>
+          </p:nvPr>
+        </p:nvSpPr>
+        <p:spPr/>
+      </p:sp>
+      <p:sp>
+        <p:nvSpPr>
+          <p:cNvPr id="3" name="Notes Placeholder 2"/>
+          <p:cNvSpPr>
+            <a:spLocks noGrp="1"/>
+          </p:cNvSpPr>
+          <p:nvPr>
+            <p:ph type="body" idx="1"/>
+          </p:nvPr>
+        </p:nvSpPr>
+        <p:spPr/>
+        <p:txBody>
+          <a:bodyPr/>
+          <a:lstStyle/>
+          <a:p>
+            <a:endParaRPr lang="en-US"/>
+          </a:p>
+        </p:txBody>
+      </p:sp>
+      <p:sp>
+        <p:nvSpPr>
+          <p:cNvPr id="4" name="Slide Number Placeholder 3"/>
+          <p:cNvSpPr>
+            <a:spLocks noGrp="1"/>
+          </p:cNvSpPr>
+          <p:nvPr>
+            <p:ph type="sldNum" sz="quarter" idx="10"/>
+          </p:nvPr>
+        </p:nvSpPr>
+        <p:spPr/>
+        <p:txBody>
+          <a:bodyPr/>
+          <a:lstStyle/>
+          <a:p>
+            <a:fld id="{8B263312-38AA-4E1E-B2B5-0F8F122B24FE}" type="slidenum">
+              <a:rPr lang="en-US" smtClean="0"/>
+              <a:pPr/>
+              <a:t>18</a:t>
+            </a:fld>
+            <a:endParaRPr lang="en-US" dirty="0"/>
+          </a:p>
+        </p:txBody>
+      </p:sp>
+    </p:spTree>
+    <p:extLst>
+      <p:ext uri="{BB962C8B-B14F-4D97-AF65-F5344CB8AC3E}">
+        <p14:creationId xmlns:p14="http://schemas.microsoft.com/office/powerpoint/2010/main" val="2460893268"/>
+      </p:ext>
+    </p:extLst>
+  </p:cSld>
+  <p:clrMapOvr>
+    <a:masterClrMapping/>
+  </p:clrMapOvr>
+</p:notes>
+</file>
+
+<file path=ppt/notesSlides/notesSlide2.xml><?xml version="1.0" encoding="utf-8"?>
+<p:notes xmlns:a="http://schemas.openxmlformats.org/drawingml/2006/main" xmlns:r="http://schemas.openxmlformats.org/officeDocument/2006/relationships" xmlns:p="http://schemas.openxmlformats.org/presentationml/2006/main">
+  <p:cSld>
+    <p:spTree>
+      <p:nvGrpSpPr>
+        <p:cNvPr id="1" name=""/>
+        <p:cNvGrpSpPr/>
+        <p:nvPr/>
+      </p:nvGrpSpPr>
+      <p:grpSpPr>
+        <a:xfrm>
+          <a:off x="0" y="0"/>
+          <a:ext cx="0" cy="0"/>
+          <a:chOff x="0" y="0"/>
+          <a:chExt cx="0" cy="0"/>
+        </a:xfrm>
+      </p:grpSpPr>
+      <p:sp>
+        <p:nvSpPr>
+          <p:cNvPr id="2" name="Slide Image Placeholder 1"/>
+          <p:cNvSpPr>
+            <a:spLocks noGrp="1" noRot="1" noChangeAspect="1"/>
+          </p:cNvSpPr>
+          <p:nvPr>
+            <p:ph type="sldImg"/>
+          </p:nvPr>
+        </p:nvSpPr>
+        <p:spPr/>
+      </p:sp>
+      <p:sp>
+        <p:nvSpPr>
+          <p:cNvPr id="3" name="Notes Placeholder 2"/>
+          <p:cNvSpPr>
+            <a:spLocks noGrp="1"/>
+          </p:cNvSpPr>
+          <p:nvPr>
+            <p:ph type="body" idx="1"/>
+          </p:nvPr>
+        </p:nvSpPr>
+        <p:spPr/>
+        <p:txBody>
+          <a:bodyPr/>
+          <a:lstStyle/>
+          <a:p>
+            <a:endParaRPr lang="en-US"/>
+          </a:p>
+        </p:txBody>
+      </p:sp>
+      <p:sp>
+        <p:nvSpPr>
+          <p:cNvPr id="4" name="Slide Number Placeholder 3"/>
+          <p:cNvSpPr>
+            <a:spLocks noGrp="1"/>
+          </p:cNvSpPr>
+          <p:nvPr>
+            <p:ph type="sldNum" sz="quarter" idx="10"/>
+          </p:nvPr>
+        </p:nvSpPr>
+        <p:spPr/>
+        <p:txBody>
+          <a:bodyPr/>
+          <a:lstStyle/>
+          <a:p>
+            <a:fld id="{8B263312-38AA-4E1E-B2B5-0F8F122B24FE}" type="slidenum">
+              <a:rPr lang="en-US" smtClean="0"/>
+              <a:pPr/>
+              <a:t>2</a:t>
+            </a:fld>
+            <a:endParaRPr lang="en-US" dirty="0"/>
+          </a:p>
+        </p:txBody>
+      </p:sp>
+    </p:spTree>
+    <p:extLst>
+      <p:ext uri="{BB962C8B-B14F-4D97-AF65-F5344CB8AC3E}">
+        <p14:creationId xmlns:p14="http://schemas.microsoft.com/office/powerpoint/2010/main" val="1365457196"/>
+      </p:ext>
+    </p:extLst>
+  </p:cSld>
+  <p:clrMapOvr>
+    <a:masterClrMapping/>
+  </p:clrMapOvr>
+</p:notes>
+</file>
+
+<file path=ppt/notesSlides/notesSlide3.xml><?xml version="1.0" encoding="utf-8"?>
+<p:notes xmlns:a="http://schemas.openxmlformats.org/drawingml/2006/main" xmlns:r="http://schemas.openxmlformats.org/officeDocument/2006/relationships" xmlns:p="http://schemas.openxmlformats.org/presentationml/2006/main">
+  <p:cSld>
+    <p:spTree>
+      <p:nvGrpSpPr>
+        <p:cNvPr id="1" name=""/>
+        <p:cNvGrpSpPr/>
+        <p:nvPr/>
+      </p:nvGrpSpPr>
+      <p:grpSpPr>
+        <a:xfrm>
+          <a:off x="0" y="0"/>
+          <a:ext cx="0" cy="0"/>
+          <a:chOff x="0" y="0"/>
+          <a:chExt cx="0" cy="0"/>
+        </a:xfrm>
+      </p:grpSpPr>
+      <p:sp>
+        <p:nvSpPr>
+          <p:cNvPr id="2" name="Slide Image Placeholder 1"/>
+          <p:cNvSpPr>
+            <a:spLocks noGrp="1" noRot="1" noChangeAspect="1"/>
+          </p:cNvSpPr>
+          <p:nvPr>
+            <p:ph type="sldImg"/>
+          </p:nvPr>
+        </p:nvSpPr>
+        <p:spPr/>
+      </p:sp>
+      <p:sp>
+        <p:nvSpPr>
+          <p:cNvPr id="3" name="Notes Placeholder 2"/>
+          <p:cNvSpPr>
+            <a:spLocks noGrp="1"/>
+          </p:cNvSpPr>
+          <p:nvPr>
+            <p:ph type="body" idx="1"/>
+          </p:nvPr>
+        </p:nvSpPr>
+        <p:spPr/>
+        <p:txBody>
+          <a:bodyPr/>
+          <a:lstStyle/>
+          <a:p>
+            <a:endParaRPr lang="en-US"/>
+          </a:p>
+        </p:txBody>
+      </p:sp>
+      <p:sp>
+        <p:nvSpPr>
+          <p:cNvPr id="4" name="Slide Number Placeholder 3"/>
+          <p:cNvSpPr>
+            <a:spLocks noGrp="1"/>
+          </p:cNvSpPr>
+          <p:nvPr>
+            <p:ph type="sldNum" sz="quarter" idx="10"/>
+          </p:nvPr>
+        </p:nvSpPr>
+        <p:spPr/>
+        <p:txBody>
+          <a:bodyPr/>
+          <a:lstStyle/>
+          <a:p>
+            <a:fld id="{8B263312-38AA-4E1E-B2B5-0F8F122B24FE}" type="slidenum">
+              <a:rPr lang="en-US" smtClean="0"/>
+              <a:pPr/>
+              <a:t>3</a:t>
+            </a:fld>
+            <a:endParaRPr lang="en-US" dirty="0"/>
+          </a:p>
+        </p:txBody>
+      </p:sp>
+    </p:spTree>
+    <p:extLst>
+      <p:ext uri="{BB962C8B-B14F-4D97-AF65-F5344CB8AC3E}">
+        <p14:creationId xmlns:p14="http://schemas.microsoft.com/office/powerpoint/2010/main" val="2817809330"/>
+      </p:ext>
+    </p:extLst>
+  </p:cSld>
+  <p:clrMapOvr>
+    <a:masterClrMapping/>
+  </p:clrMapOvr>
+</p:notes>
+</file>
+
+<file path=ppt/notesSlides/notesSlide4.xml><?xml version="1.0" encoding="utf-8"?>
+<p:notes xmlns:a="http://schemas.openxmlformats.org/drawingml/2006/main" xmlns:r="http://schemas.openxmlformats.org/officeDocument/2006/relationships" xmlns:p="http://schemas.openxmlformats.org/presentationml/2006/main">
+  <p:cSld>
+    <p:spTree>
+      <p:nvGrpSpPr>
+        <p:cNvPr id="1" name=""/>
+        <p:cNvGrpSpPr/>
+        <p:nvPr/>
+      </p:nvGrpSpPr>
+      <p:grpSpPr>
+        <a:xfrm>
+          <a:off x="0" y="0"/>
+          <a:ext cx="0" cy="0"/>
+          <a:chOff x="0" y="0"/>
+          <a:chExt cx="0" cy="0"/>
+        </a:xfrm>
+      </p:grpSpPr>
+      <p:sp>
+        <p:nvSpPr>
+          <p:cNvPr id="2" name="Slide Image Placeholder 1"/>
+          <p:cNvSpPr>
+            <a:spLocks noGrp="1" noRot="1" noChangeAspect="1"/>
+          </p:cNvSpPr>
+          <p:nvPr>
+            <p:ph type="sldImg"/>
+          </p:nvPr>
+        </p:nvSpPr>
+        <p:spPr/>
+      </p:sp>
+      <p:sp>
+        <p:nvSpPr>
+          <p:cNvPr id="3" name="Notes Placeholder 2"/>
+          <p:cNvSpPr>
+            <a:spLocks noGrp="1"/>
+          </p:cNvSpPr>
+          <p:nvPr>
+            <p:ph type="body" idx="1"/>
+          </p:nvPr>
+        </p:nvSpPr>
+        <p:spPr/>
+        <p:txBody>
+          <a:bodyPr/>
+          <a:lstStyle/>
+          <a:p>
+            <a:endParaRPr lang="en-US"/>
+          </a:p>
+        </p:txBody>
+      </p:sp>
+      <p:sp>
+        <p:nvSpPr>
+          <p:cNvPr id="4" name="Slide Number Placeholder 3"/>
+          <p:cNvSpPr>
+            <a:spLocks noGrp="1"/>
+          </p:cNvSpPr>
+          <p:nvPr>
+            <p:ph type="sldNum" sz="quarter" idx="10"/>
+          </p:nvPr>
+        </p:nvSpPr>
+        <p:spPr/>
+        <p:txBody>
+          <a:bodyPr/>
+          <a:lstStyle/>
+          <a:p>
+            <a:fld id="{8B263312-38AA-4E1E-B2B5-0F8F122B24FE}" type="slidenum">
+              <a:rPr lang="en-US" smtClean="0"/>
+              <a:pPr/>
+              <a:t>4</a:t>
+            </a:fld>
+            <a:endParaRPr lang="en-US" dirty="0"/>
+          </a:p>
+        </p:txBody>
+      </p:sp>
+    </p:spTree>
+    <p:extLst>
+      <p:ext uri="{BB962C8B-B14F-4D97-AF65-F5344CB8AC3E}">
+        <p14:creationId xmlns:p14="http://schemas.microsoft.com/office/powerpoint/2010/main" val="698189081"/>
+      </p:ext>
+    </p:extLst>
+  </p:cSld>
+  <p:clrMapOvr>
+    <a:masterClrMapping/>
+  </p:clrMapOvr>
+</p:notes>
+</file>
+
+<file path=ppt/notesSlides/notesSlide5.xml><?xml version="1.0" encoding="utf-8"?>
+<p:notes xmlns:a="http://schemas.openxmlformats.org/drawingml/2006/main" xmlns:r="http://schemas.openxmlformats.org/officeDocument/2006/relationships" xmlns:p="http://schemas.openxmlformats.org/presentationml/2006/main">
+  <p:cSld>
+    <p:spTree>
+      <p:nvGrpSpPr>
+        <p:cNvPr id="1" name=""/>
+        <p:cNvGrpSpPr/>
+        <p:nvPr/>
+      </p:nvGrpSpPr>
+      <p:grpSpPr>
+        <a:xfrm>
+          <a:off x="0" y="0"/>
+          <a:ext cx="0" cy="0"/>
+          <a:chOff x="0" y="0"/>
+          <a:chExt cx="0" cy="0"/>
+        </a:xfrm>
+      </p:grpSpPr>
+      <p:sp>
+        <p:nvSpPr>
+          <p:cNvPr id="2" name="Slide Image Placeholder 1"/>
+          <p:cNvSpPr>
+            <a:spLocks noGrp="1" noRot="1" noChangeAspect="1"/>
+          </p:cNvSpPr>
+          <p:nvPr>
+            <p:ph type="sldImg"/>
+          </p:nvPr>
+        </p:nvSpPr>
+        <p:spPr/>
+      </p:sp>
+      <p:sp>
+        <p:nvSpPr>
+          <p:cNvPr id="3" name="Notes Placeholder 2"/>
+          <p:cNvSpPr>
+            <a:spLocks noGrp="1"/>
+          </p:cNvSpPr>
+          <p:nvPr>
+            <p:ph type="body" idx="1"/>
+          </p:nvPr>
+        </p:nvSpPr>
+        <p:spPr/>
+        <p:txBody>
+          <a:bodyPr/>
+          <a:lstStyle/>
+          <a:p>
+            <a:endParaRPr lang="en-US"/>
+          </a:p>
+        </p:txBody>
+      </p:sp>
+      <p:sp>
+        <p:nvSpPr>
+          <p:cNvPr id="4" name="Slide Number Placeholder 3"/>
+          <p:cNvSpPr>
+            <a:spLocks noGrp="1"/>
+          </p:cNvSpPr>
+          <p:nvPr>
+            <p:ph type="sldNum" sz="quarter" idx="10"/>
+          </p:nvPr>
+        </p:nvSpPr>
+        <p:spPr/>
+        <p:txBody>
+          <a:bodyPr/>
+          <a:lstStyle/>
+          <a:p>
+            <a:fld id="{8B263312-38AA-4E1E-B2B5-0F8F122B24FE}" type="slidenum">
+              <a:rPr lang="en-US" smtClean="0"/>
+              <a:pPr/>
+              <a:t>5</a:t>
+            </a:fld>
+            <a:endParaRPr lang="en-US" dirty="0"/>
+          </a:p>
+        </p:txBody>
+      </p:sp>
+    </p:spTree>
+    <p:extLst>
+      <p:ext uri="{BB962C8B-B14F-4D97-AF65-F5344CB8AC3E}">
+        <p14:creationId xmlns:p14="http://schemas.microsoft.com/office/powerpoint/2010/main" val="1191770334"/>
+      </p:ext>
+    </p:extLst>
+  </p:cSld>
+  <p:clrMapOvr>
+    <a:masterClrMapping/>
+  </p:clrMapOvr>
+</p:notes>
+</file>
+
+<file path=ppt/notesSlides/notesSlide6.xml><?xml version="1.0" encoding="utf-8"?>
+<p:notes xmlns:a="http://schemas.openxmlformats.org/drawingml/2006/main" xmlns:r="http://schemas.openxmlformats.org/officeDocument/2006/relationships" xmlns:p="http://schemas.openxmlformats.org/presentationml/2006/main">
+  <p:cSld>
+    <p:spTree>
+      <p:nvGrpSpPr>
+        <p:cNvPr id="1" name=""/>
+        <p:cNvGrpSpPr/>
+        <p:nvPr/>
+      </p:nvGrpSpPr>
+      <p:grpSpPr>
+        <a:xfrm>
+          <a:off x="0" y="0"/>
+          <a:ext cx="0" cy="0"/>
+          <a:chOff x="0" y="0"/>
+          <a:chExt cx="0" cy="0"/>
+        </a:xfrm>
+      </p:grpSpPr>
+      <p:sp>
+        <p:nvSpPr>
+          <p:cNvPr id="2" name="Slide Image Placeholder 1"/>
+          <p:cNvSpPr>
+            <a:spLocks noGrp="1" noRot="1" noChangeAspect="1"/>
+          </p:cNvSpPr>
+          <p:nvPr>
+            <p:ph type="sldImg"/>
+          </p:nvPr>
+        </p:nvSpPr>
+        <p:spPr/>
+      </p:sp>
+      <p:sp>
+        <p:nvSpPr>
+          <p:cNvPr id="3" name="Notes Placeholder 2"/>
+          <p:cNvSpPr>
+            <a:spLocks noGrp="1"/>
+          </p:cNvSpPr>
+          <p:nvPr>
+            <p:ph type="body" idx="1"/>
+          </p:nvPr>
+        </p:nvSpPr>
+        <p:spPr/>
+        <p:txBody>
+          <a:bodyPr/>
+          <a:lstStyle/>
+          <a:p>
+            <a:endParaRPr lang="en-US"/>
+          </a:p>
+        </p:txBody>
+      </p:sp>
+      <p:sp>
+        <p:nvSpPr>
+          <p:cNvPr id="4" name="Slide Number Placeholder 3"/>
+          <p:cNvSpPr>
+            <a:spLocks noGrp="1"/>
+          </p:cNvSpPr>
+          <p:nvPr>
+            <p:ph type="sldNum" sz="quarter" idx="10"/>
+          </p:nvPr>
+        </p:nvSpPr>
+        <p:spPr/>
+        <p:txBody>
+          <a:bodyPr/>
+          <a:lstStyle/>
+          <a:p>
+            <a:fld id="{8B263312-38AA-4E1E-B2B5-0F8F122B24FE}" type="slidenum">
+              <a:rPr lang="en-US" smtClean="0"/>
+              <a:pPr/>
+              <a:t>6</a:t>
+            </a:fld>
+            <a:endParaRPr lang="en-US" dirty="0"/>
+          </a:p>
+        </p:txBody>
+      </p:sp>
+    </p:spTree>
+    <p:extLst>
+      <p:ext uri="{BB962C8B-B14F-4D97-AF65-F5344CB8AC3E}">
+        <p14:creationId xmlns:p14="http://schemas.microsoft.com/office/powerpoint/2010/main" val="3027043701"/>
+      </p:ext>
+    </p:extLst>
+  </p:cSld>
+  <p:clrMapOvr>
+    <a:masterClrMapping/>
+  </p:clrMapOvr>
+</p:notes>
+</file>
+
+<file path=ppt/notesSlides/notesSlide7.xml><?xml version="1.0" encoding="utf-8"?>
+<p:notes xmlns:a="http://schemas.openxmlformats.org/drawingml/2006/main" xmlns:r="http://schemas.openxmlformats.org/officeDocument/2006/relationships" xmlns:p="http://schemas.openxmlformats.org/presentationml/2006/main">
+  <p:cSld>
+    <p:spTree>
+      <p:nvGrpSpPr>
+        <p:cNvPr id="1" name=""/>
+        <p:cNvGrpSpPr/>
+        <p:nvPr/>
+      </p:nvGrpSpPr>
+      <p:grpSpPr>
+        <a:xfrm>
+          <a:off x="0" y="0"/>
+          <a:ext cx="0" cy="0"/>
+          <a:chOff x="0" y="0"/>
+          <a:chExt cx="0" cy="0"/>
+        </a:xfrm>
+      </p:grpSpPr>
+      <p:sp>
+        <p:nvSpPr>
+          <p:cNvPr id="2" name="Slide Image Placeholder 1"/>
+          <p:cNvSpPr>
+            <a:spLocks noGrp="1" noRot="1" noChangeAspect="1"/>
+          </p:cNvSpPr>
+          <p:nvPr>
+            <p:ph type="sldImg"/>
+          </p:nvPr>
+        </p:nvSpPr>
+        <p:spPr/>
+      </p:sp>
+      <p:sp>
+        <p:nvSpPr>
+          <p:cNvPr id="3" name="Notes Placeholder 2"/>
+          <p:cNvSpPr>
+            <a:spLocks noGrp="1"/>
+          </p:cNvSpPr>
+          <p:nvPr>
+            <p:ph type="body" idx="1"/>
+          </p:nvPr>
+        </p:nvSpPr>
+        <p:spPr/>
+        <p:txBody>
+          <a:bodyPr/>
+          <a:lstStyle/>
+          <a:p>
+            <a:endParaRPr lang="en-US"/>
+          </a:p>
+        </p:txBody>
+      </p:sp>
+      <p:sp>
+        <p:nvSpPr>
+          <p:cNvPr id="4" name="Slide Number Placeholder 3"/>
+          <p:cNvSpPr>
+            <a:spLocks noGrp="1"/>
+          </p:cNvSpPr>
+          <p:nvPr>
+            <p:ph type="sldNum" sz="quarter" idx="10"/>
+          </p:nvPr>
+        </p:nvSpPr>
+        <p:spPr/>
+        <p:txBody>
+          <a:bodyPr/>
+          <a:lstStyle/>
+          <a:p>
+            <a:fld id="{8B263312-38AA-4E1E-B2B5-0F8F122B24FE}" type="slidenum">
+              <a:rPr lang="en-US" smtClean="0"/>
+              <a:pPr/>
+              <a:t>7</a:t>
+            </a:fld>
+            <a:endParaRPr lang="en-US" dirty="0"/>
+          </a:p>
+        </p:txBody>
+      </p:sp>
+    </p:spTree>
+    <p:extLst>
+      <p:ext uri="{BB962C8B-B14F-4D97-AF65-F5344CB8AC3E}">
+        <p14:creationId xmlns:p14="http://schemas.microsoft.com/office/powerpoint/2010/main" val="2507835974"/>
+      </p:ext>
+    </p:extLst>
+  </p:cSld>
+  <p:clrMapOvr>
+    <a:masterClrMapping/>
+  </p:clrMapOvr>
+</p:notes>
+</file>
+
+<file path=ppt/notesSlides/notesSlide8.xml><?xml version="1.0" encoding="utf-8"?>
+<p:notes xmlns:a="http://schemas.openxmlformats.org/drawingml/2006/main" xmlns:r="http://schemas.openxmlformats.org/officeDocument/2006/relationships" xmlns:p="http://schemas.openxmlformats.org/presentationml/2006/main">
+  <p:cSld>
+    <p:spTree>
+      <p:nvGrpSpPr>
+        <p:cNvPr id="1" name=""/>
+        <p:cNvGrpSpPr/>
+        <p:nvPr/>
+      </p:nvGrpSpPr>
+      <p:grpSpPr>
+        <a:xfrm>
+          <a:off x="0" y="0"/>
+          <a:ext cx="0" cy="0"/>
+          <a:chOff x="0" y="0"/>
+          <a:chExt cx="0" cy="0"/>
+        </a:xfrm>
+      </p:grpSpPr>
+      <p:sp>
+        <p:nvSpPr>
+          <p:cNvPr id="2" name="Slide Image Placeholder 1"/>
+          <p:cNvSpPr>
+            <a:spLocks noGrp="1" noRot="1" noChangeAspect="1"/>
+          </p:cNvSpPr>
+          <p:nvPr>
+            <p:ph type="sldImg"/>
+          </p:nvPr>
+        </p:nvSpPr>
+        <p:spPr/>
+      </p:sp>
+      <p:sp>
+        <p:nvSpPr>
+          <p:cNvPr id="3" name="Notes Placeholder 2"/>
+          <p:cNvSpPr>
+            <a:spLocks noGrp="1"/>
+          </p:cNvSpPr>
+          <p:nvPr>
+            <p:ph type="body" idx="1"/>
+          </p:nvPr>
+        </p:nvSpPr>
+        <p:spPr/>
+        <p:txBody>
+          <a:bodyPr/>
+          <a:lstStyle/>
+          <a:p>
+            <a:endParaRPr lang="en-US"/>
+          </a:p>
+        </p:txBody>
+      </p:sp>
+      <p:sp>
+        <p:nvSpPr>
+          <p:cNvPr id="4" name="Slide Number Placeholder 3"/>
+          <p:cNvSpPr>
+            <a:spLocks noGrp="1"/>
+          </p:cNvSpPr>
+          <p:nvPr>
+            <p:ph type="sldNum" sz="quarter" idx="10"/>
+          </p:nvPr>
+        </p:nvSpPr>
+        <p:spPr/>
+        <p:txBody>
+          <a:bodyPr/>
+          <a:lstStyle/>
+          <a:p>
+            <a:fld id="{8B263312-38AA-4E1E-B2B5-0F8F122B24FE}" type="slidenum">
+              <a:rPr lang="en-US" smtClean="0"/>
+              <a:pPr/>
+              <a:t>8</a:t>
+            </a:fld>
+            <a:endParaRPr lang="en-US" dirty="0"/>
+          </a:p>
+        </p:txBody>
+      </p:sp>
+    </p:spTree>
+    <p:extLst>
+      <p:ext uri="{BB962C8B-B14F-4D97-AF65-F5344CB8AC3E}">
+        <p14:creationId xmlns:p14="http://schemas.microsoft.com/office/powerpoint/2010/main" val="2708735927"/>
+      </p:ext>
+    </p:extLst>
+  </p:cSld>
+  <p:clrMapOvr>
+    <a:masterClrMapping/>
+  </p:clrMapOvr>
+</p:notes>
+</file>
+
+<file path=ppt/notesSlides/notesSlide9.xml><?xml version="1.0" encoding="utf-8"?>
+<p:notes xmlns:a="http://schemas.openxmlformats.org/drawingml/2006/main" xmlns:r="http://schemas.openxmlformats.org/officeDocument/2006/relationships" xmlns:p="http://schemas.openxmlformats.org/presentationml/2006/main">
+  <p:cSld>
+    <p:spTree>
+      <p:nvGrpSpPr>
+        <p:cNvPr id="1" name=""/>
+        <p:cNvGrpSpPr/>
+        <p:nvPr/>
+      </p:nvGrpSpPr>
+      <p:grpSpPr>
+        <a:xfrm>
+          <a:off x="0" y="0"/>
+          <a:ext cx="0" cy="0"/>
+          <a:chOff x="0" y="0"/>
+          <a:chExt cx="0" cy="0"/>
+        </a:xfrm>
+      </p:grpSpPr>
+      <p:sp>
+        <p:nvSpPr>
+          <p:cNvPr id="2" name="Slide Image Placeholder 1"/>
+          <p:cNvSpPr>
+            <a:spLocks noGrp="1" noRot="1" noChangeAspect="1"/>
+          </p:cNvSpPr>
+          <p:nvPr>
+            <p:ph type="sldImg"/>
+          </p:nvPr>
+        </p:nvSpPr>
+        <p:spPr/>
+      </p:sp>
+      <p:sp>
+        <p:nvSpPr>
+          <p:cNvPr id="3" name="Notes Placeholder 2"/>
+          <p:cNvSpPr>
+            <a:spLocks noGrp="1"/>
+          </p:cNvSpPr>
+          <p:nvPr>
+            <p:ph type="body" idx="1"/>
+          </p:nvPr>
+        </p:nvSpPr>
+        <p:spPr/>
+        <p:txBody>
+          <a:bodyPr/>
+          <a:lstStyle/>
+          <a:p>
+            <a:endParaRPr lang="en-US"/>
+          </a:p>
+        </p:txBody>
+      </p:sp>
+      <p:sp>
+        <p:nvSpPr>
+          <p:cNvPr id="4" name="Slide Number Placeholder 3"/>
+          <p:cNvSpPr>
+            <a:spLocks noGrp="1"/>
+          </p:cNvSpPr>
+          <p:nvPr>
+            <p:ph type="sldNum" sz="quarter" idx="10"/>
+          </p:nvPr>
+        </p:nvSpPr>
+        <p:spPr/>
+        <p:txBody>
+          <a:bodyPr/>
+          <a:lstStyle/>
+          <a:p>
+            <a:fld id="{8B263312-38AA-4E1E-B2B5-0F8F122B24FE}" type="slidenum">
+              <a:rPr lang="en-US" smtClean="0"/>
+              <a:pPr/>
+              <a:t>9</a:t>
+            </a:fld>
+            <a:endParaRPr lang="en-US" dirty="0"/>
+          </a:p>
+        </p:txBody>
+      </p:sp>
+    </p:spTree>
+    <p:extLst>
+      <p:ext uri="{BB962C8B-B14F-4D97-AF65-F5344CB8AC3E}">
+        <p14:creationId xmlns:p14="http://schemas.microsoft.com/office/powerpoint/2010/main" val="1675022171"/>
       </p:ext>
     </p:extLst>
   </p:cSld>
@@ -10046,7 +11492,7 @@
           <a:graphicData uri="http://schemas.openxmlformats.org/presentationml/2006/ole">
             <mc:AlternateContent xmlns:mc="http://schemas.openxmlformats.org/markup-compatibility/2006">
               <mc:Choice xmlns:v="urn:schemas-microsoft-com:vml" Requires="v">
-                <p:oleObj spid="_x0000_s1183" name="think-cell Slide" r:id="rId5" imgW="270" imgH="270" progId="TCLayout.ActiveDocument.1">
+                <p:oleObj spid="_x0000_s1187" name="think-cell Slide" r:id="rId5" imgW="270" imgH="270" progId="TCLayout.ActiveDocument.1">
                   <p:embed/>
                 </p:oleObj>
               </mc:Choice>
@@ -10143,7 +11589,7 @@
           <a:p>
             <a:r>
               <a:rPr lang="en-US" dirty="0" smtClean="0"/>
-              <a:t>Microsoft Corporation</a:t>
+              <a:t>Organization</a:t>
             </a:r>
             <a:endParaRPr lang="en-US" dirty="0"/>
           </a:p>
@@ -12330,12 +13776,12 @@
           <a:graphicData uri="http://schemas.openxmlformats.org/presentationml/2006/ole">
             <mc:AlternateContent xmlns:mc="http://schemas.openxmlformats.org/markup-compatibility/2006">
               <mc:Choice xmlns:v="urn:schemas-microsoft-com:vml" Requires="v">
-                <p:oleObj spid="_x0000_s48205" name="think-cell Slide" r:id="rId13" imgW="270" imgH="270" progId="TCLayout.ActiveDocument.1">
+                <p:oleObj spid="_x0000_s48209" name="think-cell Slide" r:id="rId14" imgW="270" imgH="270" progId="TCLayout.ActiveDocument.1">
                   <p:embed/>
                 </p:oleObj>
               </mc:Choice>
               <mc:Fallback>
-                <p:oleObj name="think-cell Slide" r:id="rId13" imgW="270" imgH="270" progId="TCLayout.ActiveDocument.1">
+                <p:oleObj name="think-cell Slide" r:id="rId14" imgW="270" imgH="270" progId="TCLayout.ActiveDocument.1">
                   <p:embed/>
                   <p:pic>
                     <p:nvPicPr>
@@ -12344,7 +13790,7 @@
                       <p:nvPr/>
                     </p:nvPicPr>
                     <p:blipFill>
-                      <a:blip r:embed="rId14"/>
+                      <a:blip r:embed="rId15"/>
                       <a:stretch>
                         <a:fillRect/>
                       </a:stretch>
@@ -12557,7 +14003,7 @@
           <p:nvPr/>
         </p:nvPicPr>
         <p:blipFill>
-          <a:blip r:embed="rId15">
+          <a:blip r:embed="rId16">
             <a:extLst>
               <a:ext uri="{28A0092B-C50C-407E-A947-70E740481C1C}">
                 <a14:useLocalDpi xmlns:a14="http://schemas.microsoft.com/office/drawing/2010/main" val="0"/>
@@ -13911,7 +15357,7 @@
           </p:nvPr>
         </p:nvPicPr>
         <p:blipFill rotWithShape="1">
-          <a:blip r:embed="rId16" cstate="print">
+          <a:blip r:embed="rId17" cstate="print">
             <a:extLst>
               <a:ext uri="{28A0092B-C50C-407E-A947-70E740481C1C}">
                 <a14:useLocalDpi xmlns:a14="http://schemas.microsoft.com/office/drawing/2010/main" val="0"/>
